--- a/trunk/doc/uidesign.pptx
+++ b/trunk/doc/uidesign.pptx
@@ -4,6 +4,9 @@
   <p:sldMasterIdLst>
     <p:sldMasterId id="2147483648" r:id="rId1"/>
   </p:sldMasterIdLst>
+  <p:notesMasterIdLst>
+    <p:notesMasterId r:id="rId3"/>
+  </p:notesMasterIdLst>
   <p:sldIdLst>
     <p:sldId id="256" r:id="rId2"/>
   </p:sldIdLst>
@@ -107,6 +110,437 @@
 </p:presentation>
 </file>
 
+<file path=ppt/notesMasters/notesMaster1.xml><?xml version="1.0" encoding="utf-8"?>
+<p:notesMaster xmlns:a="http://schemas.openxmlformats.org/drawingml/2006/main" xmlns:r="http://schemas.openxmlformats.org/officeDocument/2006/relationships" xmlns:p="http://schemas.openxmlformats.org/presentationml/2006/main">
+  <p:cSld>
+    <p:bg>
+      <p:bgRef idx="1001">
+        <a:schemeClr val="bg1"/>
+      </p:bgRef>
+    </p:bg>
+    <p:spTree>
+      <p:nvGrpSpPr>
+        <p:cNvPr id="1" name=""/>
+        <p:cNvGrpSpPr/>
+        <p:nvPr/>
+      </p:nvGrpSpPr>
+      <p:grpSpPr>
+        <a:xfrm>
+          <a:off x="0" y="0"/>
+          <a:ext cx="0" cy="0"/>
+          <a:chOff x="0" y="0"/>
+          <a:chExt cx="0" cy="0"/>
+        </a:xfrm>
+      </p:grpSpPr>
+      <p:sp>
+        <p:nvSpPr>
+          <p:cNvPr id="2" name="ตัวยึดหัวกระดาษ 1"/>
+          <p:cNvSpPr>
+            <a:spLocks noGrp="1"/>
+          </p:cNvSpPr>
+          <p:nvPr>
+            <p:ph type="hdr" sz="quarter"/>
+          </p:nvPr>
+        </p:nvSpPr>
+        <p:spPr>
+          <a:xfrm>
+            <a:off x="0" y="0"/>
+            <a:ext cx="2971800" cy="457200"/>
+          </a:xfrm>
+          <a:prstGeom prst="rect">
+            <a:avLst/>
+          </a:prstGeom>
+        </p:spPr>
+        <p:txBody>
+          <a:bodyPr vert="horz" lIns="91440" tIns="45720" rIns="91440" bIns="45720" rtlCol="0"/>
+          <a:lstStyle>
+            <a:lvl1pPr algn="l">
+              <a:defRPr sz="1200"/>
+            </a:lvl1pPr>
+          </a:lstStyle>
+          <a:p>
+            <a:endParaRPr lang="th-TH"/>
+          </a:p>
+        </p:txBody>
+      </p:sp>
+      <p:sp>
+        <p:nvSpPr>
+          <p:cNvPr id="3" name="ตัวยึดวันที่ 2"/>
+          <p:cNvSpPr>
+            <a:spLocks noGrp="1"/>
+          </p:cNvSpPr>
+          <p:nvPr>
+            <p:ph type="dt" idx="1"/>
+          </p:nvPr>
+        </p:nvSpPr>
+        <p:spPr>
+          <a:xfrm>
+            <a:off x="3884613" y="0"/>
+            <a:ext cx="2971800" cy="457200"/>
+          </a:xfrm>
+          <a:prstGeom prst="rect">
+            <a:avLst/>
+          </a:prstGeom>
+        </p:spPr>
+        <p:txBody>
+          <a:bodyPr vert="horz" lIns="91440" tIns="45720" rIns="91440" bIns="45720" rtlCol="0"/>
+          <a:lstStyle>
+            <a:lvl1pPr algn="r">
+              <a:defRPr sz="1200"/>
+            </a:lvl1pPr>
+          </a:lstStyle>
+          <a:p>
+            <a:fld id="{16CCA00B-A3DE-4BE5-B7FC-9E2D5D63C102}" type="datetimeFigureOut">
+              <a:rPr lang="th-TH" smtClean="0"/>
+              <a:pPr/>
+              <a:t>16/11/51</a:t>
+            </a:fld>
+            <a:endParaRPr lang="th-TH"/>
+          </a:p>
+        </p:txBody>
+      </p:sp>
+      <p:sp>
+        <p:nvSpPr>
+          <p:cNvPr id="4" name="ตัวยึดรูปบนภาพนิ่ง 3"/>
+          <p:cNvSpPr>
+            <a:spLocks noGrp="1" noRot="1" noChangeAspect="1"/>
+          </p:cNvSpPr>
+          <p:nvPr>
+            <p:ph type="sldImg" idx="2"/>
+          </p:nvPr>
+        </p:nvSpPr>
+        <p:spPr>
+          <a:xfrm>
+            <a:off x="1143000" y="685800"/>
+            <a:ext cx="4572000" cy="3429000"/>
+          </a:xfrm>
+          <a:prstGeom prst="rect">
+            <a:avLst/>
+          </a:prstGeom>
+          <a:noFill/>
+          <a:ln w="12700">
+            <a:solidFill>
+              <a:prstClr val="black"/>
+            </a:solidFill>
+          </a:ln>
+        </p:spPr>
+        <p:txBody>
+          <a:bodyPr vert="horz" lIns="91440" tIns="45720" rIns="91440" bIns="45720" rtlCol="0" anchor="ctr"/>
+          <a:lstStyle/>
+          <a:p>
+            <a:endParaRPr lang="th-TH"/>
+          </a:p>
+        </p:txBody>
+      </p:sp>
+      <p:sp>
+        <p:nvSpPr>
+          <p:cNvPr id="5" name="ตัวยึดบันทึกย่อ 4"/>
+          <p:cNvSpPr>
+            <a:spLocks noGrp="1"/>
+          </p:cNvSpPr>
+          <p:nvPr>
+            <p:ph type="body" sz="quarter" idx="3"/>
+          </p:nvPr>
+        </p:nvSpPr>
+        <p:spPr>
+          <a:xfrm>
+            <a:off x="685800" y="4343400"/>
+            <a:ext cx="5486400" cy="4114800"/>
+          </a:xfrm>
+          <a:prstGeom prst="rect">
+            <a:avLst/>
+          </a:prstGeom>
+        </p:spPr>
+        <p:txBody>
+          <a:bodyPr vert="horz" lIns="91440" tIns="45720" rIns="91440" bIns="45720" rtlCol="0">
+            <a:normAutofit/>
+          </a:bodyPr>
+          <a:lstStyle/>
+          <a:p>
+            <a:pPr lvl="0"/>
+            <a:r>
+              <a:rPr lang="th-TH" smtClean="0"/>
+              <a:t>คลิกเพื่อแก้ไขลักษณะของข้อความต้นแบบ</a:t>
+            </a:r>
+          </a:p>
+          <a:p>
+            <a:pPr lvl="1"/>
+            <a:r>
+              <a:rPr lang="th-TH" smtClean="0"/>
+              <a:t>ระดับที่สอง</a:t>
+            </a:r>
+          </a:p>
+          <a:p>
+            <a:pPr lvl="2"/>
+            <a:r>
+              <a:rPr lang="th-TH" smtClean="0"/>
+              <a:t>ระดับที่สาม</a:t>
+            </a:r>
+          </a:p>
+          <a:p>
+            <a:pPr lvl="3"/>
+            <a:r>
+              <a:rPr lang="th-TH" smtClean="0"/>
+              <a:t>ระดับที่สี่</a:t>
+            </a:r>
+          </a:p>
+          <a:p>
+            <a:pPr lvl="4"/>
+            <a:r>
+              <a:rPr lang="th-TH" smtClean="0"/>
+              <a:t>ระดับที่ห้า</a:t>
+            </a:r>
+            <a:endParaRPr lang="th-TH"/>
+          </a:p>
+        </p:txBody>
+      </p:sp>
+      <p:sp>
+        <p:nvSpPr>
+          <p:cNvPr id="6" name="ตัวยึดท้ายกระดาษ 5"/>
+          <p:cNvSpPr>
+            <a:spLocks noGrp="1"/>
+          </p:cNvSpPr>
+          <p:nvPr>
+            <p:ph type="ftr" sz="quarter" idx="4"/>
+          </p:nvPr>
+        </p:nvSpPr>
+        <p:spPr>
+          <a:xfrm>
+            <a:off x="0" y="8685213"/>
+            <a:ext cx="2971800" cy="457200"/>
+          </a:xfrm>
+          <a:prstGeom prst="rect">
+            <a:avLst/>
+          </a:prstGeom>
+        </p:spPr>
+        <p:txBody>
+          <a:bodyPr vert="horz" lIns="91440" tIns="45720" rIns="91440" bIns="45720" rtlCol="0" anchor="b"/>
+          <a:lstStyle>
+            <a:lvl1pPr algn="l">
+              <a:defRPr sz="1200"/>
+            </a:lvl1pPr>
+          </a:lstStyle>
+          <a:p>
+            <a:endParaRPr lang="th-TH"/>
+          </a:p>
+        </p:txBody>
+      </p:sp>
+      <p:sp>
+        <p:nvSpPr>
+          <p:cNvPr id="7" name="ตัวยึดหมายเลขภาพนิ่ง 6"/>
+          <p:cNvSpPr>
+            <a:spLocks noGrp="1"/>
+          </p:cNvSpPr>
+          <p:nvPr>
+            <p:ph type="sldNum" sz="quarter" idx="5"/>
+          </p:nvPr>
+        </p:nvSpPr>
+        <p:spPr>
+          <a:xfrm>
+            <a:off x="3884613" y="8685213"/>
+            <a:ext cx="2971800" cy="457200"/>
+          </a:xfrm>
+          <a:prstGeom prst="rect">
+            <a:avLst/>
+          </a:prstGeom>
+        </p:spPr>
+        <p:txBody>
+          <a:bodyPr vert="horz" lIns="91440" tIns="45720" rIns="91440" bIns="45720" rtlCol="0" anchor="b"/>
+          <a:lstStyle>
+            <a:lvl1pPr algn="r">
+              <a:defRPr sz="1200"/>
+            </a:lvl1pPr>
+          </a:lstStyle>
+          <a:p>
+            <a:fld id="{ECBA7244-6191-4C23-B1B5-BCB4C9A32478}" type="slidenum">
+              <a:rPr lang="th-TH" smtClean="0"/>
+              <a:pPr/>
+              <a:t>‹#›</a:t>
+            </a:fld>
+            <a:endParaRPr lang="th-TH"/>
+          </a:p>
+        </p:txBody>
+      </p:sp>
+    </p:spTree>
+  </p:cSld>
+  <p:clrMap bg1="lt1" tx1="dk1" bg2="lt2" tx2="dk2" accent1="accent1" accent2="accent2" accent3="accent3" accent4="accent4" accent5="accent5" accent6="accent6" hlink="hlink" folHlink="folHlink"/>
+  <p:notesStyle>
+    <a:lvl1pPr marL="0" algn="l" defTabSz="914400" rtl="0" eaLnBrk="1" latinLnBrk="0" hangingPunct="1">
+      <a:defRPr sz="1800" kern="1200">
+        <a:solidFill>
+          <a:schemeClr val="tx1"/>
+        </a:solidFill>
+        <a:latin typeface="+mn-lt"/>
+        <a:ea typeface="+mn-ea"/>
+        <a:cs typeface="+mn-cs"/>
+      </a:defRPr>
+    </a:lvl1pPr>
+    <a:lvl2pPr marL="457200" algn="l" defTabSz="914400" rtl="0" eaLnBrk="1" latinLnBrk="0" hangingPunct="1">
+      <a:defRPr sz="1800" kern="1200">
+        <a:solidFill>
+          <a:schemeClr val="tx1"/>
+        </a:solidFill>
+        <a:latin typeface="+mn-lt"/>
+        <a:ea typeface="+mn-ea"/>
+        <a:cs typeface="+mn-cs"/>
+      </a:defRPr>
+    </a:lvl2pPr>
+    <a:lvl3pPr marL="914400" algn="l" defTabSz="914400" rtl="0" eaLnBrk="1" latinLnBrk="0" hangingPunct="1">
+      <a:defRPr sz="1800" kern="1200">
+        <a:solidFill>
+          <a:schemeClr val="tx1"/>
+        </a:solidFill>
+        <a:latin typeface="+mn-lt"/>
+        <a:ea typeface="+mn-ea"/>
+        <a:cs typeface="+mn-cs"/>
+      </a:defRPr>
+    </a:lvl3pPr>
+    <a:lvl4pPr marL="1371600" algn="l" defTabSz="914400" rtl="0" eaLnBrk="1" latinLnBrk="0" hangingPunct="1">
+      <a:defRPr sz="1800" kern="1200">
+        <a:solidFill>
+          <a:schemeClr val="tx1"/>
+        </a:solidFill>
+        <a:latin typeface="+mn-lt"/>
+        <a:ea typeface="+mn-ea"/>
+        <a:cs typeface="+mn-cs"/>
+      </a:defRPr>
+    </a:lvl4pPr>
+    <a:lvl5pPr marL="1828800" algn="l" defTabSz="914400" rtl="0" eaLnBrk="1" latinLnBrk="0" hangingPunct="1">
+      <a:defRPr sz="1800" kern="1200">
+        <a:solidFill>
+          <a:schemeClr val="tx1"/>
+        </a:solidFill>
+        <a:latin typeface="+mn-lt"/>
+        <a:ea typeface="+mn-ea"/>
+        <a:cs typeface="+mn-cs"/>
+      </a:defRPr>
+    </a:lvl5pPr>
+    <a:lvl6pPr marL="2286000" algn="l" defTabSz="914400" rtl="0" eaLnBrk="1" latinLnBrk="0" hangingPunct="1">
+      <a:defRPr sz="1800" kern="1200">
+        <a:solidFill>
+          <a:schemeClr val="tx1"/>
+        </a:solidFill>
+        <a:latin typeface="+mn-lt"/>
+        <a:ea typeface="+mn-ea"/>
+        <a:cs typeface="+mn-cs"/>
+      </a:defRPr>
+    </a:lvl6pPr>
+    <a:lvl7pPr marL="2743200" algn="l" defTabSz="914400" rtl="0" eaLnBrk="1" latinLnBrk="0" hangingPunct="1">
+      <a:defRPr sz="1800" kern="1200">
+        <a:solidFill>
+          <a:schemeClr val="tx1"/>
+        </a:solidFill>
+        <a:latin typeface="+mn-lt"/>
+        <a:ea typeface="+mn-ea"/>
+        <a:cs typeface="+mn-cs"/>
+      </a:defRPr>
+    </a:lvl7pPr>
+    <a:lvl8pPr marL="3200400" algn="l" defTabSz="914400" rtl="0" eaLnBrk="1" latinLnBrk="0" hangingPunct="1">
+      <a:defRPr sz="1800" kern="1200">
+        <a:solidFill>
+          <a:schemeClr val="tx1"/>
+        </a:solidFill>
+        <a:latin typeface="+mn-lt"/>
+        <a:ea typeface="+mn-ea"/>
+        <a:cs typeface="+mn-cs"/>
+      </a:defRPr>
+    </a:lvl8pPr>
+    <a:lvl9pPr marL="3657600" algn="l" defTabSz="914400" rtl="0" eaLnBrk="1" latinLnBrk="0" hangingPunct="1">
+      <a:defRPr sz="1800" kern="1200">
+        <a:solidFill>
+          <a:schemeClr val="tx1"/>
+        </a:solidFill>
+        <a:latin typeface="+mn-lt"/>
+        <a:ea typeface="+mn-ea"/>
+        <a:cs typeface="+mn-cs"/>
+      </a:defRPr>
+    </a:lvl9pPr>
+  </p:notesStyle>
+</p:notesMaster>
+</file>
+
+<file path=ppt/notesSlides/notesSlide1.xml><?xml version="1.0" encoding="utf-8"?>
+<p:notes xmlns:a="http://schemas.openxmlformats.org/drawingml/2006/main" xmlns:r="http://schemas.openxmlformats.org/officeDocument/2006/relationships" xmlns:p="http://schemas.openxmlformats.org/presentationml/2006/main">
+  <p:cSld>
+    <p:spTree>
+      <p:nvGrpSpPr>
+        <p:cNvPr id="1" name=""/>
+        <p:cNvGrpSpPr/>
+        <p:nvPr/>
+      </p:nvGrpSpPr>
+      <p:grpSpPr>
+        <a:xfrm>
+          <a:off x="0" y="0"/>
+          <a:ext cx="0" cy="0"/>
+          <a:chOff x="0" y="0"/>
+          <a:chExt cx="0" cy="0"/>
+        </a:xfrm>
+      </p:grpSpPr>
+      <p:sp>
+        <p:nvSpPr>
+          <p:cNvPr id="2" name="ตัวยึดรูปบนภาพนิ่ง 1"/>
+          <p:cNvSpPr>
+            <a:spLocks noGrp="1" noRot="1" noChangeAspect="1"/>
+          </p:cNvSpPr>
+          <p:nvPr>
+            <p:ph type="sldImg"/>
+          </p:nvPr>
+        </p:nvSpPr>
+        <p:spPr/>
+      </p:sp>
+      <p:sp>
+        <p:nvSpPr>
+          <p:cNvPr id="3" name="ตัวยึดบันทึกย่อ 2"/>
+          <p:cNvSpPr>
+            <a:spLocks noGrp="1"/>
+          </p:cNvSpPr>
+          <p:nvPr>
+            <p:ph type="body" idx="1"/>
+          </p:nvPr>
+        </p:nvSpPr>
+        <p:spPr/>
+        <p:txBody>
+          <a:bodyPr>
+            <a:normAutofit/>
+          </a:bodyPr>
+          <a:lstStyle/>
+          <a:p>
+            <a:endParaRPr lang="th-TH"/>
+          </a:p>
+        </p:txBody>
+      </p:sp>
+      <p:sp>
+        <p:nvSpPr>
+          <p:cNvPr id="4" name="ตัวยึดหมายเลขภาพนิ่ง 3"/>
+          <p:cNvSpPr>
+            <a:spLocks noGrp="1"/>
+          </p:cNvSpPr>
+          <p:nvPr>
+            <p:ph type="sldNum" sz="quarter" idx="10"/>
+          </p:nvPr>
+        </p:nvSpPr>
+        <p:spPr/>
+        <p:txBody>
+          <a:bodyPr/>
+          <a:lstStyle/>
+          <a:p>
+            <a:fld id="{ECBA7244-6191-4C23-B1B5-BCB4C9A32478}" type="slidenum">
+              <a:rPr lang="th-TH" smtClean="0"/>
+              <a:pPr/>
+              <a:t>1</a:t>
+            </a:fld>
+            <a:endParaRPr lang="th-TH"/>
+          </a:p>
+        </p:txBody>
+      </p:sp>
+    </p:spTree>
+  </p:cSld>
+  <p:clrMapOvr>
+    <a:masterClrMapping/>
+  </p:clrMapOvr>
+</p:notes>
+</file>
+
 <file path=ppt/slideLayouts/slideLayout1.xml><?xml version="1.0" encoding="utf-8"?>
 <p:sldLayout xmlns:a="http://schemas.openxmlformats.org/drawingml/2006/main" xmlns:r="http://schemas.openxmlformats.org/officeDocument/2006/relationships" xmlns:p="http://schemas.openxmlformats.org/presentationml/2006/main" type="title" preserve="1">
   <p:cSld name="ภาพนิ่งชื่อเรื่อง">
@@ -288,7 +722,8 @@
           <a:p>
             <a:fld id="{596EF591-D424-45AB-B024-5165F5122B8B}" type="datetimeFigureOut">
               <a:rPr lang="th-TH" smtClean="0"/>
-              <a:t>06/10/51</a:t>
+              <a:pPr/>
+              <a:t>16/11/51</a:t>
             </a:fld>
             <a:endParaRPr lang="th-TH"/>
           </a:p>
@@ -330,6 +765,7 @@
           <a:p>
             <a:fld id="{5899FE9C-05B4-45D4-ACDD-C92E8672873F}" type="slidenum">
               <a:rPr lang="th-TH" smtClean="0"/>
+              <a:pPr/>
               <a:t>‹#›</a:t>
             </a:fld>
             <a:endParaRPr lang="th-TH"/>
@@ -453,7 +889,8 @@
           <a:p>
             <a:fld id="{596EF591-D424-45AB-B024-5165F5122B8B}" type="datetimeFigureOut">
               <a:rPr lang="th-TH" smtClean="0"/>
-              <a:t>06/10/51</a:t>
+              <a:pPr/>
+              <a:t>16/11/51</a:t>
             </a:fld>
             <a:endParaRPr lang="th-TH"/>
           </a:p>
@@ -495,6 +932,7 @@
           <a:p>
             <a:fld id="{5899FE9C-05B4-45D4-ACDD-C92E8672873F}" type="slidenum">
               <a:rPr lang="th-TH" smtClean="0"/>
+              <a:pPr/>
               <a:t>‹#›</a:t>
             </a:fld>
             <a:endParaRPr lang="th-TH"/>
@@ -628,7 +1066,8 @@
           <a:p>
             <a:fld id="{596EF591-D424-45AB-B024-5165F5122B8B}" type="datetimeFigureOut">
               <a:rPr lang="th-TH" smtClean="0"/>
-              <a:t>06/10/51</a:t>
+              <a:pPr/>
+              <a:t>16/11/51</a:t>
             </a:fld>
             <a:endParaRPr lang="th-TH"/>
           </a:p>
@@ -670,6 +1109,7 @@
           <a:p>
             <a:fld id="{5899FE9C-05B4-45D4-ACDD-C92E8672873F}" type="slidenum">
               <a:rPr lang="th-TH" smtClean="0"/>
+              <a:pPr/>
               <a:t>‹#›</a:t>
             </a:fld>
             <a:endParaRPr lang="th-TH"/>
@@ -793,7 +1233,8 @@
           <a:p>
             <a:fld id="{596EF591-D424-45AB-B024-5165F5122B8B}" type="datetimeFigureOut">
               <a:rPr lang="th-TH" smtClean="0"/>
-              <a:t>06/10/51</a:t>
+              <a:pPr/>
+              <a:t>16/11/51</a:t>
             </a:fld>
             <a:endParaRPr lang="th-TH"/>
           </a:p>
@@ -835,6 +1276,7 @@
           <a:p>
             <a:fld id="{5899FE9C-05B4-45D4-ACDD-C92E8672873F}" type="slidenum">
               <a:rPr lang="th-TH" smtClean="0"/>
+              <a:pPr/>
               <a:t>‹#›</a:t>
             </a:fld>
             <a:endParaRPr lang="th-TH"/>
@@ -1034,7 +1476,8 @@
           <a:p>
             <a:fld id="{596EF591-D424-45AB-B024-5165F5122B8B}" type="datetimeFigureOut">
               <a:rPr lang="th-TH" smtClean="0"/>
-              <a:t>06/10/51</a:t>
+              <a:pPr/>
+              <a:t>16/11/51</a:t>
             </a:fld>
             <a:endParaRPr lang="th-TH"/>
           </a:p>
@@ -1076,6 +1519,7 @@
           <a:p>
             <a:fld id="{5899FE9C-05B4-45D4-ACDD-C92E8672873F}" type="slidenum">
               <a:rPr lang="th-TH" smtClean="0"/>
+              <a:pPr/>
               <a:t>‹#›</a:t>
             </a:fld>
             <a:endParaRPr lang="th-TH"/>
@@ -1317,7 +1761,8 @@
           <a:p>
             <a:fld id="{596EF591-D424-45AB-B024-5165F5122B8B}" type="datetimeFigureOut">
               <a:rPr lang="th-TH" smtClean="0"/>
-              <a:t>06/10/51</a:t>
+              <a:pPr/>
+              <a:t>16/11/51</a:t>
             </a:fld>
             <a:endParaRPr lang="th-TH"/>
           </a:p>
@@ -1359,6 +1804,7 @@
           <a:p>
             <a:fld id="{5899FE9C-05B4-45D4-ACDD-C92E8672873F}" type="slidenum">
               <a:rPr lang="th-TH" smtClean="0"/>
+              <a:pPr/>
               <a:t>‹#›</a:t>
             </a:fld>
             <a:endParaRPr lang="th-TH"/>
@@ -1734,7 +2180,8 @@
           <a:p>
             <a:fld id="{596EF591-D424-45AB-B024-5165F5122B8B}" type="datetimeFigureOut">
               <a:rPr lang="th-TH" smtClean="0"/>
-              <a:t>06/10/51</a:t>
+              <a:pPr/>
+              <a:t>16/11/51</a:t>
             </a:fld>
             <a:endParaRPr lang="th-TH"/>
           </a:p>
@@ -1776,6 +2223,7 @@
           <a:p>
             <a:fld id="{5899FE9C-05B4-45D4-ACDD-C92E8672873F}" type="slidenum">
               <a:rPr lang="th-TH" smtClean="0"/>
+              <a:pPr/>
               <a:t>‹#›</a:t>
             </a:fld>
             <a:endParaRPr lang="th-TH"/>
@@ -1847,7 +2295,8 @@
           <a:p>
             <a:fld id="{596EF591-D424-45AB-B024-5165F5122B8B}" type="datetimeFigureOut">
               <a:rPr lang="th-TH" smtClean="0"/>
-              <a:t>06/10/51</a:t>
+              <a:pPr/>
+              <a:t>16/11/51</a:t>
             </a:fld>
             <a:endParaRPr lang="th-TH"/>
           </a:p>
@@ -1889,6 +2338,7 @@
           <a:p>
             <a:fld id="{5899FE9C-05B4-45D4-ACDD-C92E8672873F}" type="slidenum">
               <a:rPr lang="th-TH" smtClean="0"/>
+              <a:pPr/>
               <a:t>‹#›</a:t>
             </a:fld>
             <a:endParaRPr lang="th-TH"/>
@@ -1937,7 +2387,8 @@
           <a:p>
             <a:fld id="{596EF591-D424-45AB-B024-5165F5122B8B}" type="datetimeFigureOut">
               <a:rPr lang="th-TH" smtClean="0"/>
-              <a:t>06/10/51</a:t>
+              <a:pPr/>
+              <a:t>16/11/51</a:t>
             </a:fld>
             <a:endParaRPr lang="th-TH"/>
           </a:p>
@@ -1979,6 +2430,7 @@
           <a:p>
             <a:fld id="{5899FE9C-05B4-45D4-ACDD-C92E8672873F}" type="slidenum">
               <a:rPr lang="th-TH" smtClean="0"/>
+              <a:pPr/>
               <a:t>‹#›</a:t>
             </a:fld>
             <a:endParaRPr lang="th-TH"/>
@@ -2209,7 +2661,8 @@
           <a:p>
             <a:fld id="{596EF591-D424-45AB-B024-5165F5122B8B}" type="datetimeFigureOut">
               <a:rPr lang="th-TH" smtClean="0"/>
-              <a:t>06/10/51</a:t>
+              <a:pPr/>
+              <a:t>16/11/51</a:t>
             </a:fld>
             <a:endParaRPr lang="th-TH"/>
           </a:p>
@@ -2251,6 +2704,7 @@
           <a:p>
             <a:fld id="{5899FE9C-05B4-45D4-ACDD-C92E8672873F}" type="slidenum">
               <a:rPr lang="th-TH" smtClean="0"/>
+              <a:pPr/>
               <a:t>‹#›</a:t>
             </a:fld>
             <a:endParaRPr lang="th-TH"/>
@@ -2457,7 +2911,8 @@
           <a:p>
             <a:fld id="{596EF591-D424-45AB-B024-5165F5122B8B}" type="datetimeFigureOut">
               <a:rPr lang="th-TH" smtClean="0"/>
-              <a:t>06/10/51</a:t>
+              <a:pPr/>
+              <a:t>16/11/51</a:t>
             </a:fld>
             <a:endParaRPr lang="th-TH"/>
           </a:p>
@@ -2499,6 +2954,7 @@
           <a:p>
             <a:fld id="{5899FE9C-05B4-45D4-ACDD-C92E8672873F}" type="slidenum">
               <a:rPr lang="th-TH" smtClean="0"/>
+              <a:pPr/>
               <a:t>‹#›</a:t>
             </a:fld>
             <a:endParaRPr lang="th-TH"/>
@@ -2665,7 +3121,8 @@
           <a:p>
             <a:fld id="{596EF591-D424-45AB-B024-5165F5122B8B}" type="datetimeFigureOut">
               <a:rPr lang="th-TH" smtClean="0"/>
-              <a:t>06/10/51</a:t>
+              <a:pPr/>
+              <a:t>16/11/51</a:t>
             </a:fld>
             <a:endParaRPr lang="th-TH"/>
           </a:p>
@@ -2743,6 +3200,7 @@
           <a:p>
             <a:fld id="{5899FE9C-05B4-45D4-ACDD-C92E8672873F}" type="slidenum">
               <a:rPr lang="th-TH" smtClean="0"/>
+              <a:pPr/>
               <a:t>‹#›</a:t>
             </a:fld>
             <a:endParaRPr lang="th-TH"/>
@@ -3209,9 +3667,7 @@
           <a:prstGeom prst="rect">
             <a:avLst/>
           </a:prstGeom>
-          <a:solidFill>
-            <a:schemeClr val="bg1"/>
-          </a:solidFill>
+          <a:noFill/>
           <a:ln>
             <a:solidFill>
               <a:schemeClr val="tx1"/>
@@ -3238,32 +3694,15 @@
           <a:bodyPr rtlCol="0" anchor="ctr"/>
           <a:lstStyle/>
           <a:p>
-            <a:pPr algn="ctr"/>
-            <a:r>
-              <a:rPr lang="en-US" sz="2000" dirty="0" smtClean="0">
+            <a:r>
+              <a:rPr lang="en-US" sz="1600" dirty="0" smtClean="0">
                 <a:solidFill>
                   <a:schemeClr val="tx1"/>
                 </a:solidFill>
               </a:rPr>
-              <a:t>Moss Graph </a:t>
-            </a:r>
-            <a:r>
-              <a:rPr lang="en-US" sz="2000" dirty="0" err="1" smtClean="0">
-                <a:solidFill>
-                  <a:schemeClr val="tx1"/>
-                </a:solidFill>
-              </a:rPr>
-              <a:t>Viewr</a:t>
-            </a:r>
-            <a:r>
-              <a:rPr lang="en-US" sz="2000" dirty="0" smtClean="0">
-                <a:solidFill>
-                  <a:schemeClr val="tx1"/>
-                </a:solidFill>
-              </a:rPr>
-              <a:t> Qt</a:t>
-            </a:r>
-            <a:endParaRPr lang="th-TH" sz="2000" dirty="0">
+              <a:t>Graph Data Structure Visualization</a:t>
+            </a:r>
+            <a:endParaRPr lang="th-TH" sz="1600" dirty="0">
               <a:solidFill>
                 <a:schemeClr val="tx1"/>
               </a:solidFill>
@@ -3478,7 +3917,7 @@
         <p:spPr>
           <a:xfrm>
             <a:off x="3714744" y="1000108"/>
-            <a:ext cx="500066" cy="285752"/>
+            <a:ext cx="571504" cy="285752"/>
           </a:xfrm>
           <a:prstGeom prst="rect">
             <a:avLst/>
@@ -3519,7 +3958,7 @@
                   <a:schemeClr val="tx1"/>
                 </a:solidFill>
               </a:rPr>
-              <a:t>Help</a:t>
+              <a:t>About</a:t>
             </a:r>
             <a:endParaRPr lang="th-TH" sz="1200" dirty="0">
               <a:solidFill>
@@ -3651,14 +4090,14 @@
       </p:sp>
       <p:sp>
         <p:nvSpPr>
-          <p:cNvPr id="17" name="วงรี 16"/>
+          <p:cNvPr id="18" name="วงรี 17"/>
           <p:cNvSpPr/>
           <p:nvPr/>
         </p:nvSpPr>
         <p:spPr>
           <a:xfrm>
-            <a:off x="1685905" y="752456"/>
-            <a:ext cx="214314" cy="214314"/>
+            <a:off x="3000364" y="2928934"/>
+            <a:ext cx="285752" cy="285752"/>
           </a:xfrm>
           <a:prstGeom prst="ellipse">
             <a:avLst/>
@@ -3693,22 +4132,34 @@
           <a:lstStyle/>
           <a:p>
             <a:pPr algn="ctr"/>
-            <a:endParaRPr lang="th-TH"/>
-          </a:p>
-        </p:txBody>
-      </p:sp>
-      <p:sp>
-        <p:nvSpPr>
-          <p:cNvPr id="75" name="สี่เหลี่ยมผืนผ้า 74"/>
+            <a:r>
+              <a:rPr lang="en-US" sz="2000" dirty="0" smtClean="0">
+                <a:solidFill>
+                  <a:schemeClr val="tx1"/>
+                </a:solidFill>
+              </a:rPr>
+              <a:t>w</a:t>
+            </a:r>
+            <a:endParaRPr lang="th-TH" sz="2000" dirty="0">
+              <a:solidFill>
+                <a:schemeClr val="tx1"/>
+              </a:solidFill>
+            </a:endParaRPr>
+          </a:p>
+        </p:txBody>
+      </p:sp>
+      <p:sp>
+        <p:nvSpPr>
+          <p:cNvPr id="20" name="วงรี 19"/>
           <p:cNvSpPr/>
           <p:nvPr/>
         </p:nvSpPr>
         <p:spPr>
           <a:xfrm>
-            <a:off x="3714744" y="1571612"/>
-            <a:ext cx="857256" cy="285752"/>
+            <a:off x="3786182" y="3429000"/>
+            <a:ext cx="285752" cy="285752"/>
           </a:xfrm>
-          <a:prstGeom prst="rect">
+          <a:prstGeom prst="ellipse">
             <a:avLst/>
           </a:prstGeom>
           <a:solidFill>
@@ -3740,15 +4191,16 @@
           <a:bodyPr rtlCol="0" anchor="ctr"/>
           <a:lstStyle/>
           <a:p>
-            <a:r>
-              <a:rPr lang="en-US" sz="1200" dirty="0" smtClean="0">
+            <a:pPr algn="ctr"/>
+            <a:r>
+              <a:rPr lang="en-US" sz="2000" dirty="0" smtClean="0">
                 <a:solidFill>
                   <a:schemeClr val="tx1"/>
                 </a:solidFill>
               </a:rPr>
-              <a:t>About</a:t>
-            </a:r>
-            <a:endParaRPr lang="th-TH" sz="1200" dirty="0">
+              <a:t>l</a:t>
+            </a:r>
+            <a:endParaRPr lang="th-TH" sz="2000" dirty="0">
               <a:solidFill>
                 <a:schemeClr val="tx1"/>
               </a:solidFill>
@@ -3758,16 +4210,16 @@
       </p:sp>
       <p:sp>
         <p:nvSpPr>
-          <p:cNvPr id="76" name="สี่เหลี่ยมผืนผ้า 75"/>
+          <p:cNvPr id="22" name="วงรี 21"/>
           <p:cNvSpPr/>
           <p:nvPr/>
         </p:nvSpPr>
         <p:spPr>
           <a:xfrm>
-            <a:off x="3714744" y="1857364"/>
-            <a:ext cx="857256" cy="285752"/>
+            <a:off x="4357686" y="3429000"/>
+            <a:ext cx="285752" cy="285752"/>
           </a:xfrm>
-          <a:prstGeom prst="rect">
+          <a:prstGeom prst="ellipse">
             <a:avLst/>
           </a:prstGeom>
           <a:solidFill>
@@ -3799,15 +4251,16 @@
           <a:bodyPr rtlCol="0" anchor="ctr"/>
           <a:lstStyle/>
           <a:p>
-            <a:r>
-              <a:rPr lang="en-US" sz="1200" dirty="0" smtClean="0">
+            <a:pPr algn="ctr"/>
+            <a:r>
+              <a:rPr lang="en-US" sz="2000" dirty="0" smtClean="0">
                 <a:solidFill>
                   <a:schemeClr val="tx1"/>
                 </a:solidFill>
               </a:rPr>
-              <a:t>About Qt</a:t>
-            </a:r>
-            <a:endParaRPr lang="th-TH" sz="1200" dirty="0">
+              <a:t>c</a:t>
+            </a:r>
+            <a:endParaRPr lang="th-TH" sz="2000" dirty="0">
               <a:solidFill>
                 <a:schemeClr val="tx1"/>
               </a:solidFill>
@@ -3817,16 +4270,16 @@
       </p:sp>
       <p:sp>
         <p:nvSpPr>
-          <p:cNvPr id="79" name="สี่เหลี่ยมผืนผ้า 78"/>
+          <p:cNvPr id="23" name="วงรี 22"/>
           <p:cNvSpPr/>
           <p:nvPr/>
         </p:nvSpPr>
         <p:spPr>
           <a:xfrm>
-            <a:off x="3714744" y="1285860"/>
-            <a:ext cx="857256" cy="285752"/>
+            <a:off x="4500562" y="2857496"/>
+            <a:ext cx="285752" cy="285752"/>
           </a:xfrm>
-          <a:prstGeom prst="rect">
+          <a:prstGeom prst="ellipse">
             <a:avLst/>
           </a:prstGeom>
           <a:solidFill>
@@ -3858,15 +4311,366 @@
           <a:bodyPr rtlCol="0" anchor="ctr"/>
           <a:lstStyle/>
           <a:p>
-            <a:r>
-              <a:rPr lang="en-US" sz="1200" dirty="0" smtClean="0">
+            <a:pPr algn="ctr"/>
+            <a:r>
+              <a:rPr lang="en-US" sz="2000" dirty="0" smtClean="0">
                 <a:solidFill>
                   <a:schemeClr val="tx1"/>
                 </a:solidFill>
               </a:rPr>
-              <a:t>Readme</a:t>
-            </a:r>
-            <a:endParaRPr lang="th-TH" sz="1200" dirty="0">
+              <a:t>m</a:t>
+            </a:r>
+            <a:endParaRPr lang="th-TH" sz="2000" dirty="0">
+              <a:solidFill>
+                <a:schemeClr val="tx1"/>
+              </a:solidFill>
+            </a:endParaRPr>
+          </a:p>
+        </p:txBody>
+      </p:sp>
+      <p:cxnSp>
+        <p:nvCxnSpPr>
+          <p:cNvPr id="26" name="ตัวเชื่อมต่อตรง 25"/>
+          <p:cNvCxnSpPr>
+            <a:stCxn id="18" idx="6"/>
+            <a:endCxn id="19" idx="2"/>
+          </p:cNvCxnSpPr>
+          <p:nvPr/>
+        </p:nvCxnSpPr>
+        <p:spPr>
+          <a:xfrm>
+            <a:off x="3286116" y="3071810"/>
+            <a:ext cx="285752" cy="1588"/>
+          </a:xfrm>
+          <a:prstGeom prst="line">
+            <a:avLst/>
+          </a:prstGeom>
+          <a:ln w="28575">
+            <a:solidFill>
+              <a:schemeClr val="tx1"/>
+            </a:solidFill>
+          </a:ln>
+        </p:spPr>
+        <p:style>
+          <a:lnRef idx="1">
+            <a:schemeClr val="accent1"/>
+          </a:lnRef>
+          <a:fillRef idx="0">
+            <a:schemeClr val="accent1"/>
+          </a:fillRef>
+          <a:effectRef idx="0">
+            <a:schemeClr val="accent1"/>
+          </a:effectRef>
+          <a:fontRef idx="minor">
+            <a:schemeClr val="tx1"/>
+          </a:fontRef>
+        </p:style>
+      </p:cxnSp>
+      <p:cxnSp>
+        <p:nvCxnSpPr>
+          <p:cNvPr id="28" name="ตัวเชื่อมต่อตรง 27"/>
+          <p:cNvCxnSpPr>
+            <a:stCxn id="19" idx="4"/>
+            <a:endCxn id="20" idx="1"/>
+          </p:cNvCxnSpPr>
+          <p:nvPr/>
+        </p:nvCxnSpPr>
+        <p:spPr>
+          <a:xfrm rot="16200000" flipH="1">
+            <a:off x="3643306" y="3286123"/>
+            <a:ext cx="256161" cy="113285"/>
+          </a:xfrm>
+          <a:prstGeom prst="line">
+            <a:avLst/>
+          </a:prstGeom>
+          <a:ln w="28575">
+            <a:solidFill>
+              <a:schemeClr val="tx1"/>
+            </a:solidFill>
+          </a:ln>
+        </p:spPr>
+        <p:style>
+          <a:lnRef idx="1">
+            <a:schemeClr val="accent1"/>
+          </a:lnRef>
+          <a:fillRef idx="0">
+            <a:schemeClr val="accent1"/>
+          </a:fillRef>
+          <a:effectRef idx="0">
+            <a:schemeClr val="accent1"/>
+          </a:effectRef>
+          <a:fontRef idx="minor">
+            <a:schemeClr val="tx1"/>
+          </a:fontRef>
+        </p:style>
+      </p:cxnSp>
+      <p:cxnSp>
+        <p:nvCxnSpPr>
+          <p:cNvPr id="30" name="ตัวเชื่อมต่อตรง 29"/>
+          <p:cNvCxnSpPr>
+            <a:stCxn id="20" idx="6"/>
+            <a:endCxn id="22" idx="2"/>
+          </p:cNvCxnSpPr>
+          <p:nvPr/>
+        </p:nvCxnSpPr>
+        <p:spPr>
+          <a:xfrm>
+            <a:off x="4071934" y="3571876"/>
+            <a:ext cx="285752" cy="1588"/>
+          </a:xfrm>
+          <a:prstGeom prst="line">
+            <a:avLst/>
+          </a:prstGeom>
+          <a:ln w="28575">
+            <a:solidFill>
+              <a:schemeClr val="tx1"/>
+            </a:solidFill>
+          </a:ln>
+        </p:spPr>
+        <p:style>
+          <a:lnRef idx="1">
+            <a:schemeClr val="accent1"/>
+          </a:lnRef>
+          <a:fillRef idx="0">
+            <a:schemeClr val="accent1"/>
+          </a:fillRef>
+          <a:effectRef idx="0">
+            <a:schemeClr val="accent1"/>
+          </a:effectRef>
+          <a:fontRef idx="minor">
+            <a:schemeClr val="tx1"/>
+          </a:fontRef>
+        </p:style>
+      </p:cxnSp>
+      <p:cxnSp>
+        <p:nvCxnSpPr>
+          <p:cNvPr id="32" name="ตัวเชื่อมต่อตรง 31"/>
+          <p:cNvCxnSpPr>
+            <a:stCxn id="22" idx="7"/>
+            <a:endCxn id="23" idx="4"/>
+          </p:cNvCxnSpPr>
+          <p:nvPr/>
+        </p:nvCxnSpPr>
+        <p:spPr>
+          <a:xfrm rot="5400000" flipH="1" flipV="1">
+            <a:off x="4458715" y="3286125"/>
+            <a:ext cx="327599" cy="41847"/>
+          </a:xfrm>
+          <a:prstGeom prst="line">
+            <a:avLst/>
+          </a:prstGeom>
+          <a:ln w="28575">
+            <a:solidFill>
+              <a:schemeClr val="tx1"/>
+            </a:solidFill>
+          </a:ln>
+        </p:spPr>
+        <p:style>
+          <a:lnRef idx="1">
+            <a:schemeClr val="accent1"/>
+          </a:lnRef>
+          <a:fillRef idx="0">
+            <a:schemeClr val="accent1"/>
+          </a:fillRef>
+          <a:effectRef idx="0">
+            <a:schemeClr val="accent1"/>
+          </a:effectRef>
+          <a:fontRef idx="minor">
+            <a:schemeClr val="tx1"/>
+          </a:fontRef>
+        </p:style>
+      </p:cxnSp>
+      <p:cxnSp>
+        <p:nvCxnSpPr>
+          <p:cNvPr id="34" name="ตัวเชื่อมต่อตรง 33"/>
+          <p:cNvCxnSpPr>
+            <a:stCxn id="23" idx="1"/>
+            <a:endCxn id="21" idx="5"/>
+          </p:cNvCxnSpPr>
+          <p:nvPr/>
+        </p:nvCxnSpPr>
+        <p:spPr>
+          <a:xfrm rot="16200000" flipV="1">
+            <a:off x="4315839" y="2672773"/>
+            <a:ext cx="155132" cy="298008"/>
+          </a:xfrm>
+          <a:prstGeom prst="line">
+            <a:avLst/>
+          </a:prstGeom>
+          <a:ln w="28575">
+            <a:solidFill>
+              <a:schemeClr val="tx1"/>
+            </a:solidFill>
+          </a:ln>
+        </p:spPr>
+        <p:style>
+          <a:lnRef idx="1">
+            <a:schemeClr val="accent1"/>
+          </a:lnRef>
+          <a:fillRef idx="0">
+            <a:schemeClr val="accent1"/>
+          </a:fillRef>
+          <a:effectRef idx="0">
+            <a:schemeClr val="accent1"/>
+          </a:effectRef>
+          <a:fontRef idx="minor">
+            <a:schemeClr val="tx1"/>
+          </a:fontRef>
+        </p:style>
+      </p:cxnSp>
+      <p:cxnSp>
+        <p:nvCxnSpPr>
+          <p:cNvPr id="36" name="ตัวเชื่อมต่อตรง 35"/>
+          <p:cNvCxnSpPr>
+            <a:stCxn id="21" idx="3"/>
+            <a:endCxn id="19" idx="7"/>
+          </p:cNvCxnSpPr>
+          <p:nvPr/>
+        </p:nvCxnSpPr>
+        <p:spPr>
+          <a:xfrm rot="5400000">
+            <a:off x="3815773" y="2744211"/>
+            <a:ext cx="226570" cy="226570"/>
+          </a:xfrm>
+          <a:prstGeom prst="line">
+            <a:avLst/>
+          </a:prstGeom>
+          <a:ln w="28575">
+            <a:solidFill>
+              <a:schemeClr val="bg1">
+                <a:lumMod val="75000"/>
+              </a:schemeClr>
+            </a:solidFill>
+          </a:ln>
+        </p:spPr>
+        <p:style>
+          <a:lnRef idx="1">
+            <a:schemeClr val="accent1"/>
+          </a:lnRef>
+          <a:fillRef idx="0">
+            <a:schemeClr val="accent1"/>
+          </a:fillRef>
+          <a:effectRef idx="0">
+            <a:schemeClr val="accent1"/>
+          </a:effectRef>
+          <a:fontRef idx="minor">
+            <a:schemeClr val="tx1"/>
+          </a:fontRef>
+        </p:style>
+      </p:cxnSp>
+      <p:sp>
+        <p:nvSpPr>
+          <p:cNvPr id="21" name="วงรี 20"/>
+          <p:cNvSpPr/>
+          <p:nvPr/>
+        </p:nvSpPr>
+        <p:spPr>
+          <a:xfrm>
+            <a:off x="4000496" y="2500306"/>
+            <a:ext cx="285752" cy="285752"/>
+          </a:xfrm>
+          <a:prstGeom prst="ellipse">
+            <a:avLst/>
+          </a:prstGeom>
+          <a:solidFill>
+            <a:schemeClr val="bg1"/>
+          </a:solidFill>
+          <a:ln>
+            <a:solidFill>
+              <a:schemeClr val="tx1"/>
+            </a:solidFill>
+          </a:ln>
+        </p:spPr>
+        <p:style>
+          <a:lnRef idx="2">
+            <a:schemeClr val="accent1">
+              <a:shade val="50000"/>
+            </a:schemeClr>
+          </a:lnRef>
+          <a:fillRef idx="1">
+            <a:schemeClr val="accent1"/>
+          </a:fillRef>
+          <a:effectRef idx="0">
+            <a:schemeClr val="accent1"/>
+          </a:effectRef>
+          <a:fontRef idx="minor">
+            <a:schemeClr val="lt1"/>
+          </a:fontRef>
+        </p:style>
+        <p:txBody>
+          <a:bodyPr rtlCol="0" anchor="ctr"/>
+          <a:lstStyle/>
+          <a:p>
+            <a:pPr algn="ctr"/>
+            <a:r>
+              <a:rPr lang="en-US" sz="2000" dirty="0" smtClean="0">
+                <a:solidFill>
+                  <a:schemeClr val="tx1"/>
+                </a:solidFill>
+              </a:rPr>
+              <a:t>o</a:t>
+            </a:r>
+            <a:endParaRPr lang="th-TH" sz="2000" dirty="0">
+              <a:solidFill>
+                <a:schemeClr val="tx1"/>
+              </a:solidFill>
+            </a:endParaRPr>
+          </a:p>
+        </p:txBody>
+      </p:sp>
+      <p:sp>
+        <p:nvSpPr>
+          <p:cNvPr id="19" name="วงรี 18"/>
+          <p:cNvSpPr/>
+          <p:nvPr/>
+        </p:nvSpPr>
+        <p:spPr>
+          <a:xfrm>
+            <a:off x="3571868" y="2928934"/>
+            <a:ext cx="285752" cy="285752"/>
+          </a:xfrm>
+          <a:prstGeom prst="ellipse">
+            <a:avLst/>
+          </a:prstGeom>
+          <a:solidFill>
+            <a:schemeClr val="bg1"/>
+          </a:solidFill>
+          <a:ln>
+            <a:solidFill>
+              <a:schemeClr val="tx1"/>
+            </a:solidFill>
+          </a:ln>
+        </p:spPr>
+        <p:style>
+          <a:lnRef idx="2">
+            <a:schemeClr val="accent1">
+              <a:shade val="50000"/>
+            </a:schemeClr>
+          </a:lnRef>
+          <a:fillRef idx="1">
+            <a:schemeClr val="accent1"/>
+          </a:fillRef>
+          <a:effectRef idx="0">
+            <a:schemeClr val="accent1"/>
+          </a:effectRef>
+          <a:fontRef idx="minor">
+            <a:schemeClr val="lt1"/>
+          </a:fontRef>
+        </p:style>
+        <p:txBody>
+          <a:bodyPr rtlCol="0" anchor="ctr"/>
+          <a:lstStyle/>
+          <a:p>
+            <a:pPr algn="ctr"/>
+            <a:r>
+              <a:rPr lang="en-US" sz="2000" dirty="0" smtClean="0">
+                <a:solidFill>
+                  <a:schemeClr val="tx1"/>
+                </a:solidFill>
+              </a:rPr>
+              <a:t>e</a:t>
+            </a:r>
+            <a:endParaRPr lang="th-TH" sz="2000" dirty="0">
               <a:solidFill>
                 <a:schemeClr val="tx1"/>
               </a:solidFill>
@@ -4223,4 +5027,287 @@
   </a:objectDefaults>
   <a:extraClrSchemeLst/>
 </a:theme>
+</file>
+
+<file path=ppt/theme/theme2.xml><?xml version="1.0" encoding="utf-8"?>
+<a:theme xmlns:a="http://schemas.openxmlformats.org/drawingml/2006/main" name="ชุดรูปแบบของ Office">
+  <a:themeElements>
+    <a:clrScheme name="Office">
+      <a:dk1>
+        <a:sysClr val="windowText" lastClr="000000"/>
+      </a:dk1>
+      <a:lt1>
+        <a:sysClr val="window" lastClr="FFFFFF"/>
+      </a:lt1>
+      <a:dk2>
+        <a:srgbClr val="1F497D"/>
+      </a:dk2>
+      <a:lt2>
+        <a:srgbClr val="EEECE1"/>
+      </a:lt2>
+      <a:accent1>
+        <a:srgbClr val="4F81BD"/>
+      </a:accent1>
+      <a:accent2>
+        <a:srgbClr val="C0504D"/>
+      </a:accent2>
+      <a:accent3>
+        <a:srgbClr val="9BBB59"/>
+      </a:accent3>
+      <a:accent4>
+        <a:srgbClr val="8064A2"/>
+      </a:accent4>
+      <a:accent5>
+        <a:srgbClr val="4BACC6"/>
+      </a:accent5>
+      <a:accent6>
+        <a:srgbClr val="F79646"/>
+      </a:accent6>
+      <a:hlink>
+        <a:srgbClr val="0000FF"/>
+      </a:hlink>
+      <a:folHlink>
+        <a:srgbClr val="800080"/>
+      </a:folHlink>
+    </a:clrScheme>
+    <a:fontScheme name="Office">
+      <a:majorFont>
+        <a:latin typeface="Calibri"/>
+        <a:ea typeface=""/>
+        <a:cs typeface=""/>
+        <a:font script="Jpan" typeface="ＭＳ Ｐゴシック"/>
+        <a:font script="Hang" typeface="맑은 고딕"/>
+        <a:font script="Hans" typeface="宋体"/>
+        <a:font script="Hant" typeface="新細明體"/>
+        <a:font script="Arab" typeface="Times New Roman"/>
+        <a:font script="Hebr" typeface="Times New Roman"/>
+        <a:font script="Thai" typeface="Angsana New"/>
+        <a:font script="Ethi" typeface="Nyala"/>
+        <a:font script="Beng" typeface="Vrinda"/>
+        <a:font script="Gujr" typeface="Shruti"/>
+        <a:font script="Khmr" typeface="MoolBoran"/>
+        <a:font script="Knda" typeface="Tunga"/>
+        <a:font script="Guru" typeface="Raavi"/>
+        <a:font script="Cans" typeface="Euphemia"/>
+        <a:font script="Cher" typeface="Plantagenet Cherokee"/>
+        <a:font script="Yiii" typeface="Microsoft Yi Baiti"/>
+        <a:font script="Tibt" typeface="Microsoft Himalaya"/>
+        <a:font script="Thaa" typeface="MV Boli"/>
+        <a:font script="Deva" typeface="Mangal"/>
+        <a:font script="Telu" typeface="Gautami"/>
+        <a:font script="Taml" typeface="Latha"/>
+        <a:font script="Syrc" typeface="Estrangelo Edessa"/>
+        <a:font script="Orya" typeface="Kalinga"/>
+        <a:font script="Mlym" typeface="Kartika"/>
+        <a:font script="Laoo" typeface="DokChampa"/>
+        <a:font script="Sinh" typeface="Iskoola Pota"/>
+        <a:font script="Mong" typeface="Mongolian Baiti"/>
+        <a:font script="Viet" typeface="Times New Roman"/>
+        <a:font script="Uigh" typeface="Microsoft Uighur"/>
+      </a:majorFont>
+      <a:minorFont>
+        <a:latin typeface="Calibri"/>
+        <a:ea typeface=""/>
+        <a:cs typeface=""/>
+        <a:font script="Jpan" typeface="ＭＳ Ｐゴシック"/>
+        <a:font script="Hang" typeface="맑은 고딕"/>
+        <a:font script="Hans" typeface="宋体"/>
+        <a:font script="Hant" typeface="新細明體"/>
+        <a:font script="Arab" typeface="Arial"/>
+        <a:font script="Hebr" typeface="Arial"/>
+        <a:font script="Thai" typeface="Cordia New"/>
+        <a:font script="Ethi" typeface="Nyala"/>
+        <a:font script="Beng" typeface="Vrinda"/>
+        <a:font script="Gujr" typeface="Shruti"/>
+        <a:font script="Khmr" typeface="DaunPenh"/>
+        <a:font script="Knda" typeface="Tunga"/>
+        <a:font script="Guru" typeface="Raavi"/>
+        <a:font script="Cans" typeface="Euphemia"/>
+        <a:font script="Cher" typeface="Plantagenet Cherokee"/>
+        <a:font script="Yiii" typeface="Microsoft Yi Baiti"/>
+        <a:font script="Tibt" typeface="Microsoft Himalaya"/>
+        <a:font script="Thaa" typeface="MV Boli"/>
+        <a:font script="Deva" typeface="Mangal"/>
+        <a:font script="Telu" typeface="Gautami"/>
+        <a:font script="Taml" typeface="Latha"/>
+        <a:font script="Syrc" typeface="Estrangelo Edessa"/>
+        <a:font script="Orya" typeface="Kalinga"/>
+        <a:font script="Mlym" typeface="Kartika"/>
+        <a:font script="Laoo" typeface="DokChampa"/>
+        <a:font script="Sinh" typeface="Iskoola Pota"/>
+        <a:font script="Mong" typeface="Mongolian Baiti"/>
+        <a:font script="Viet" typeface="Arial"/>
+        <a:font script="Uigh" typeface="Microsoft Uighur"/>
+      </a:minorFont>
+    </a:fontScheme>
+    <a:fmtScheme name="Office">
+      <a:fillStyleLst>
+        <a:solidFill>
+          <a:schemeClr val="phClr"/>
+        </a:solidFill>
+        <a:gradFill rotWithShape="1">
+          <a:gsLst>
+            <a:gs pos="0">
+              <a:schemeClr val="phClr">
+                <a:tint val="50000"/>
+                <a:satMod val="300000"/>
+              </a:schemeClr>
+            </a:gs>
+            <a:gs pos="35000">
+              <a:schemeClr val="phClr">
+                <a:tint val="37000"/>
+                <a:satMod val="300000"/>
+              </a:schemeClr>
+            </a:gs>
+            <a:gs pos="100000">
+              <a:schemeClr val="phClr">
+                <a:tint val="15000"/>
+                <a:satMod val="350000"/>
+              </a:schemeClr>
+            </a:gs>
+          </a:gsLst>
+          <a:lin ang="16200000" scaled="1"/>
+        </a:gradFill>
+        <a:gradFill rotWithShape="1">
+          <a:gsLst>
+            <a:gs pos="0">
+              <a:schemeClr val="phClr">
+                <a:shade val="51000"/>
+                <a:satMod val="130000"/>
+              </a:schemeClr>
+            </a:gs>
+            <a:gs pos="80000">
+              <a:schemeClr val="phClr">
+                <a:shade val="93000"/>
+                <a:satMod val="130000"/>
+              </a:schemeClr>
+            </a:gs>
+            <a:gs pos="100000">
+              <a:schemeClr val="phClr">
+                <a:shade val="94000"/>
+                <a:satMod val="135000"/>
+              </a:schemeClr>
+            </a:gs>
+          </a:gsLst>
+          <a:lin ang="16200000" scaled="0"/>
+        </a:gradFill>
+      </a:fillStyleLst>
+      <a:lnStyleLst>
+        <a:ln w="9525" cap="flat" cmpd="sng" algn="ctr">
+          <a:solidFill>
+            <a:schemeClr val="phClr">
+              <a:shade val="95000"/>
+              <a:satMod val="105000"/>
+            </a:schemeClr>
+          </a:solidFill>
+          <a:prstDash val="solid"/>
+        </a:ln>
+        <a:ln w="25400" cap="flat" cmpd="sng" algn="ctr">
+          <a:solidFill>
+            <a:schemeClr val="phClr"/>
+          </a:solidFill>
+          <a:prstDash val="solid"/>
+        </a:ln>
+        <a:ln w="38100" cap="flat" cmpd="sng" algn="ctr">
+          <a:solidFill>
+            <a:schemeClr val="phClr"/>
+          </a:solidFill>
+          <a:prstDash val="solid"/>
+        </a:ln>
+      </a:lnStyleLst>
+      <a:effectStyleLst>
+        <a:effectStyle>
+          <a:effectLst>
+            <a:outerShdw blurRad="40000" dist="20000" dir="5400000" rotWithShape="0">
+              <a:srgbClr val="000000">
+                <a:alpha val="38000"/>
+              </a:srgbClr>
+            </a:outerShdw>
+          </a:effectLst>
+        </a:effectStyle>
+        <a:effectStyle>
+          <a:effectLst>
+            <a:outerShdw blurRad="40000" dist="23000" dir="5400000" rotWithShape="0">
+              <a:srgbClr val="000000">
+                <a:alpha val="35000"/>
+              </a:srgbClr>
+            </a:outerShdw>
+          </a:effectLst>
+        </a:effectStyle>
+        <a:effectStyle>
+          <a:effectLst>
+            <a:outerShdw blurRad="40000" dist="23000" dir="5400000" rotWithShape="0">
+              <a:srgbClr val="000000">
+                <a:alpha val="35000"/>
+              </a:srgbClr>
+            </a:outerShdw>
+          </a:effectLst>
+          <a:scene3d>
+            <a:camera prst="orthographicFront">
+              <a:rot lat="0" lon="0" rev="0"/>
+            </a:camera>
+            <a:lightRig rig="threePt" dir="t">
+              <a:rot lat="0" lon="0" rev="1200000"/>
+            </a:lightRig>
+          </a:scene3d>
+          <a:sp3d>
+            <a:bevelT w="63500" h="25400"/>
+          </a:sp3d>
+        </a:effectStyle>
+      </a:effectStyleLst>
+      <a:bgFillStyleLst>
+        <a:solidFill>
+          <a:schemeClr val="phClr"/>
+        </a:solidFill>
+        <a:gradFill rotWithShape="1">
+          <a:gsLst>
+            <a:gs pos="0">
+              <a:schemeClr val="phClr">
+                <a:tint val="40000"/>
+                <a:satMod val="350000"/>
+              </a:schemeClr>
+            </a:gs>
+            <a:gs pos="40000">
+              <a:schemeClr val="phClr">
+                <a:tint val="45000"/>
+                <a:shade val="99000"/>
+                <a:satMod val="350000"/>
+              </a:schemeClr>
+            </a:gs>
+            <a:gs pos="100000">
+              <a:schemeClr val="phClr">
+                <a:shade val="20000"/>
+                <a:satMod val="255000"/>
+              </a:schemeClr>
+            </a:gs>
+          </a:gsLst>
+          <a:path path="circle">
+            <a:fillToRect l="50000" t="-80000" r="50000" b="180000"/>
+          </a:path>
+        </a:gradFill>
+        <a:gradFill rotWithShape="1">
+          <a:gsLst>
+            <a:gs pos="0">
+              <a:schemeClr val="phClr">
+                <a:tint val="80000"/>
+                <a:satMod val="300000"/>
+              </a:schemeClr>
+            </a:gs>
+            <a:gs pos="100000">
+              <a:schemeClr val="phClr">
+                <a:shade val="30000"/>
+                <a:satMod val="200000"/>
+              </a:schemeClr>
+            </a:gs>
+          </a:gsLst>
+          <a:path path="circle">
+            <a:fillToRect l="50000" t="50000" r="50000" b="50000"/>
+          </a:path>
+        </a:gradFill>
+      </a:bgFillStyleLst>
+    </a:fmtScheme>
+  </a:themeElements>
+  <a:objectDefaults/>
+  <a:extraClrSchemeLst/>
+</a:theme>
 </file>